--- a/GittingStarted.pptx
+++ b/GittingStarted.pptx
@@ -12789,7 +12789,12 @@
             <p:ph type="title"/>
           </p:nvPr>
         </p:nvSpPr>
-        <p:spPr/>
+        <p:spPr>
+          <a:xfrm>
+            <a:off x="319500" y="936600"/>
+            <a:ext cx="3934866" cy="755700"/>
+          </a:xfrm>
+        </p:spPr>
         <p:txBody>
           <a:bodyPr/>
           <a:lstStyle/>
